--- a/card_news/물가/카드뉴스피피티.pptx
+++ b/card_news/물가/카드뉴스피피티.pptx
@@ -499,6 +499,11 @@
               </a:ln>
               <a:effectLst/>
             </c:spPr>
+            <c:extLst>
+              <c:ext xmlns:c16="http://schemas.microsoft.com/office/drawing/2014/chart" uri="{C3380CC4-5D6E-409C-BE32-E72D297353CC}">
+                <c16:uniqueId val="{00000001-DED8-451C-8CF4-E642C4D0FACF}"/>
+              </c:ext>
+            </c:extLst>
           </c:dPt>
           <c:dPt>
             <c:idx val="1"/>
@@ -514,6 +519,11 @@
               </a:ln>
               <a:effectLst/>
             </c:spPr>
+            <c:extLst>
+              <c:ext xmlns:c16="http://schemas.microsoft.com/office/drawing/2014/chart" uri="{C3380CC4-5D6E-409C-BE32-E72D297353CC}">
+                <c16:uniqueId val="{00000003-DED8-451C-8CF4-E642C4D0FACF}"/>
+              </c:ext>
+            </c:extLst>
           </c:dPt>
           <c:dPt>
             <c:idx val="2"/>
@@ -529,6 +539,11 @@
               </a:ln>
               <a:effectLst/>
             </c:spPr>
+            <c:extLst>
+              <c:ext xmlns:c16="http://schemas.microsoft.com/office/drawing/2014/chart" uri="{C3380CC4-5D6E-409C-BE32-E72D297353CC}">
+                <c16:uniqueId val="{00000005-DED8-451C-8CF4-E642C4D0FACF}"/>
+              </c:ext>
+            </c:extLst>
           </c:dPt>
           <c:dPt>
             <c:idx val="3"/>
@@ -544,6 +559,11 @@
               </a:ln>
               <a:effectLst/>
             </c:spPr>
+            <c:extLst>
+              <c:ext xmlns:c16="http://schemas.microsoft.com/office/drawing/2014/chart" uri="{C3380CC4-5D6E-409C-BE32-E72D297353CC}">
+                <c16:uniqueId val="{00000007-DED8-451C-8CF4-E642C4D0FACF}"/>
+              </c:ext>
+            </c:extLst>
           </c:dPt>
           <c:dPt>
             <c:idx val="4"/>
@@ -559,6 +579,11 @@
               </a:ln>
               <a:effectLst/>
             </c:spPr>
+            <c:extLst>
+              <c:ext xmlns:c16="http://schemas.microsoft.com/office/drawing/2014/chart" uri="{C3380CC4-5D6E-409C-BE32-E72D297353CC}">
+                <c16:uniqueId val="{00000009-DED8-451C-8CF4-E642C4D0FACF}"/>
+              </c:ext>
+            </c:extLst>
           </c:dPt>
           <c:dPt>
             <c:idx val="5"/>
@@ -574,6 +599,11 @@
               </a:ln>
               <a:effectLst/>
             </c:spPr>
+            <c:extLst>
+              <c:ext xmlns:c16="http://schemas.microsoft.com/office/drawing/2014/chart" uri="{C3380CC4-5D6E-409C-BE32-E72D297353CC}">
+                <c16:uniqueId val="{0000000B-DED8-451C-8CF4-E642C4D0FACF}"/>
+              </c:ext>
+            </c:extLst>
           </c:dPt>
           <c:cat>
             <c:strRef>
@@ -10344,7 +10374,7 @@
           <a:p>
             <a:fld id="{282AC510-1D6E-4A77-8788-B0432ACB8B71}" type="datetimeFigureOut">
               <a:rPr lang="ko-KR" altLang="en-US" smtClean="0"/>
-              <a:t>2021-01-28</a:t>
+              <a:t>2021-01-29</a:t>
             </a:fld>
             <a:endParaRPr lang="ko-KR" altLang="en-US"/>
           </a:p>
@@ -10542,7 +10572,7 @@
           <a:p>
             <a:fld id="{282AC510-1D6E-4A77-8788-B0432ACB8B71}" type="datetimeFigureOut">
               <a:rPr lang="ko-KR" altLang="en-US" smtClean="0"/>
-              <a:t>2021-01-28</a:t>
+              <a:t>2021-01-29</a:t>
             </a:fld>
             <a:endParaRPr lang="ko-KR" altLang="en-US"/>
           </a:p>
@@ -10750,7 +10780,7 @@
           <a:p>
             <a:fld id="{282AC510-1D6E-4A77-8788-B0432ACB8B71}" type="datetimeFigureOut">
               <a:rPr lang="ko-KR" altLang="en-US" smtClean="0"/>
-              <a:t>2021-01-28</a:t>
+              <a:t>2021-01-29</a:t>
             </a:fld>
             <a:endParaRPr lang="ko-KR" altLang="en-US"/>
           </a:p>
@@ -10948,7 +10978,7 @@
           <a:p>
             <a:fld id="{282AC510-1D6E-4A77-8788-B0432ACB8B71}" type="datetimeFigureOut">
               <a:rPr lang="ko-KR" altLang="en-US" smtClean="0"/>
-              <a:t>2021-01-28</a:t>
+              <a:t>2021-01-29</a:t>
             </a:fld>
             <a:endParaRPr lang="ko-KR" altLang="en-US"/>
           </a:p>
@@ -11223,7 +11253,7 @@
           <a:p>
             <a:fld id="{282AC510-1D6E-4A77-8788-B0432ACB8B71}" type="datetimeFigureOut">
               <a:rPr lang="ko-KR" altLang="en-US" smtClean="0"/>
-              <a:t>2021-01-28</a:t>
+              <a:t>2021-01-29</a:t>
             </a:fld>
             <a:endParaRPr lang="ko-KR" altLang="en-US"/>
           </a:p>
@@ -11488,7 +11518,7 @@
           <a:p>
             <a:fld id="{282AC510-1D6E-4A77-8788-B0432ACB8B71}" type="datetimeFigureOut">
               <a:rPr lang="ko-KR" altLang="en-US" smtClean="0"/>
-              <a:t>2021-01-28</a:t>
+              <a:t>2021-01-29</a:t>
             </a:fld>
             <a:endParaRPr lang="ko-KR" altLang="en-US"/>
           </a:p>
@@ -11900,7 +11930,7 @@
           <a:p>
             <a:fld id="{282AC510-1D6E-4A77-8788-B0432ACB8B71}" type="datetimeFigureOut">
               <a:rPr lang="ko-KR" altLang="en-US" smtClean="0"/>
-              <a:t>2021-01-28</a:t>
+              <a:t>2021-01-29</a:t>
             </a:fld>
             <a:endParaRPr lang="ko-KR" altLang="en-US"/>
           </a:p>
@@ -12041,7 +12071,7 @@
           <a:p>
             <a:fld id="{282AC510-1D6E-4A77-8788-B0432ACB8B71}" type="datetimeFigureOut">
               <a:rPr lang="ko-KR" altLang="en-US" smtClean="0"/>
-              <a:t>2021-01-28</a:t>
+              <a:t>2021-01-29</a:t>
             </a:fld>
             <a:endParaRPr lang="ko-KR" altLang="en-US"/>
           </a:p>
@@ -12154,7 +12184,7 @@
           <a:p>
             <a:fld id="{282AC510-1D6E-4A77-8788-B0432ACB8B71}" type="datetimeFigureOut">
               <a:rPr lang="ko-KR" altLang="en-US" smtClean="0"/>
-              <a:t>2021-01-28</a:t>
+              <a:t>2021-01-29</a:t>
             </a:fld>
             <a:endParaRPr lang="ko-KR" altLang="en-US"/>
           </a:p>
@@ -12465,7 +12495,7 @@
           <a:p>
             <a:fld id="{282AC510-1D6E-4A77-8788-B0432ACB8B71}" type="datetimeFigureOut">
               <a:rPr lang="ko-KR" altLang="en-US" smtClean="0"/>
-              <a:t>2021-01-28</a:t>
+              <a:t>2021-01-29</a:t>
             </a:fld>
             <a:endParaRPr lang="ko-KR" altLang="en-US"/>
           </a:p>
@@ -12753,7 +12783,7 @@
           <a:p>
             <a:fld id="{282AC510-1D6E-4A77-8788-B0432ACB8B71}" type="datetimeFigureOut">
               <a:rPr lang="ko-KR" altLang="en-US" smtClean="0"/>
-              <a:t>2021-01-28</a:t>
+              <a:t>2021-01-29</a:t>
             </a:fld>
             <a:endParaRPr lang="ko-KR" altLang="en-US"/>
           </a:p>
@@ -12994,7 +13024,7 @@
           <a:p>
             <a:fld id="{282AC510-1D6E-4A77-8788-B0432ACB8B71}" type="datetimeFigureOut">
               <a:rPr lang="ko-KR" altLang="en-US" smtClean="0"/>
-              <a:t>2021-01-28</a:t>
+              <a:t>2021-01-29</a:t>
             </a:fld>
             <a:endParaRPr lang="ko-KR" altLang="en-US"/>
           </a:p>
@@ -14377,7 +14407,7 @@
           <p:nvPr>
             <p:extLst>
               <p:ext uri="{D42A27DB-BD31-4B8C-83A1-F6EECF244321}">
-                <p14:modId xmlns:p14="http://schemas.microsoft.com/office/powerpoint/2010/main" val="3498699428"/>
+                <p14:modId xmlns:p14="http://schemas.microsoft.com/office/powerpoint/2010/main" val="2568975432"/>
               </p:ext>
             </p:extLst>
           </p:nvPr>
